--- a/static/images/parking_model_diagram.pptx
+++ b/static/images/parking_model_diagram.pptx
@@ -4,8 +4,12 @@
   <p:sldMasterIdLst>
     <p:sldMasterId id="2147483648" r:id="rId1"/>
   </p:sldMasterIdLst>
+  <p:notesMasterIdLst>
+    <p:notesMasterId r:id="rId4"/>
+  </p:notesMasterIdLst>
   <p:sldIdLst>
     <p:sldId id="256" r:id="rId2"/>
+    <p:sldId id="259" r:id="rId3"/>
   </p:sldIdLst>
   <p:sldSz cx="12192000" cy="6858000"/>
   <p:notesSz cx="6858000" cy="9144000"/>
@@ -112,6 +116,439 @@
 </p:presentation>
 </file>
 
+<file path=ppt/notesMasters/notesMaster1.xml><?xml version="1.0" encoding="utf-8"?>
+<p:notesMaster xmlns:a="http://schemas.openxmlformats.org/drawingml/2006/main" xmlns:r="http://schemas.openxmlformats.org/officeDocument/2006/relationships" xmlns:p="http://schemas.openxmlformats.org/presentationml/2006/main">
+  <p:cSld>
+    <p:bg>
+      <p:bgRef idx="1001">
+        <a:schemeClr val="bg1"/>
+      </p:bgRef>
+    </p:bg>
+    <p:spTree>
+      <p:nvGrpSpPr>
+        <p:cNvPr id="1" name=""/>
+        <p:cNvGrpSpPr/>
+        <p:nvPr/>
+      </p:nvGrpSpPr>
+      <p:grpSpPr>
+        <a:xfrm>
+          <a:off x="0" y="0"/>
+          <a:ext cx="0" cy="0"/>
+          <a:chOff x="0" y="0"/>
+          <a:chExt cx="0" cy="0"/>
+        </a:xfrm>
+      </p:grpSpPr>
+      <p:sp>
+        <p:nvSpPr>
+          <p:cNvPr id="2" name="Header Placeholder 1"/>
+          <p:cNvSpPr>
+            <a:spLocks noGrp="1"/>
+          </p:cNvSpPr>
+          <p:nvPr>
+            <p:ph type="hdr" sz="quarter"/>
+          </p:nvPr>
+        </p:nvSpPr>
+        <p:spPr>
+          <a:xfrm>
+            <a:off x="0" y="0"/>
+            <a:ext cx="2971800" cy="458788"/>
+          </a:xfrm>
+          <a:prstGeom prst="rect">
+            <a:avLst/>
+          </a:prstGeom>
+        </p:spPr>
+        <p:txBody>
+          <a:bodyPr vert="horz" lIns="91440" tIns="45720" rIns="91440" bIns="45720" rtlCol="0"/>
+          <a:lstStyle>
+            <a:lvl1pPr algn="l">
+              <a:defRPr sz="1200"/>
+            </a:lvl1pPr>
+          </a:lstStyle>
+          <a:p>
+            <a:endParaRPr lang="en-US"/>
+          </a:p>
+        </p:txBody>
+      </p:sp>
+      <p:sp>
+        <p:nvSpPr>
+          <p:cNvPr id="3" name="Date Placeholder 2"/>
+          <p:cNvSpPr>
+            <a:spLocks noGrp="1"/>
+          </p:cNvSpPr>
+          <p:nvPr>
+            <p:ph type="dt" idx="1"/>
+          </p:nvPr>
+        </p:nvSpPr>
+        <p:spPr>
+          <a:xfrm>
+            <a:off x="3884613" y="0"/>
+            <a:ext cx="2971800" cy="458788"/>
+          </a:xfrm>
+          <a:prstGeom prst="rect">
+            <a:avLst/>
+          </a:prstGeom>
+        </p:spPr>
+        <p:txBody>
+          <a:bodyPr vert="horz" lIns="91440" tIns="45720" rIns="91440" bIns="45720" rtlCol="0"/>
+          <a:lstStyle>
+            <a:lvl1pPr algn="r">
+              <a:defRPr sz="1200"/>
+            </a:lvl1pPr>
+          </a:lstStyle>
+          <a:p>
+            <a:fld id="{07700D8A-0234-EE4B-A591-97A8B6E7BB8D}" type="datetimeFigureOut">
+              <a:rPr lang="en-US" smtClean="0"/>
+              <a:t>2/14/22</a:t>
+            </a:fld>
+            <a:endParaRPr lang="en-US"/>
+          </a:p>
+        </p:txBody>
+      </p:sp>
+      <p:sp>
+        <p:nvSpPr>
+          <p:cNvPr id="4" name="Slide Image Placeholder 3"/>
+          <p:cNvSpPr>
+            <a:spLocks noGrp="1" noRot="1" noChangeAspect="1"/>
+          </p:cNvSpPr>
+          <p:nvPr>
+            <p:ph type="sldImg" idx="2"/>
+          </p:nvPr>
+        </p:nvSpPr>
+        <p:spPr>
+          <a:xfrm>
+            <a:off x="685800" y="1143000"/>
+            <a:ext cx="5486400" cy="3086100"/>
+          </a:xfrm>
+          <a:prstGeom prst="rect">
+            <a:avLst/>
+          </a:prstGeom>
+          <a:noFill/>
+          <a:ln w="12700">
+            <a:solidFill>
+              <a:prstClr val="black"/>
+            </a:solidFill>
+          </a:ln>
+        </p:spPr>
+        <p:txBody>
+          <a:bodyPr vert="horz" lIns="91440" tIns="45720" rIns="91440" bIns="45720" rtlCol="0" anchor="ctr"/>
+          <a:lstStyle/>
+          <a:p>
+            <a:endParaRPr lang="en-US"/>
+          </a:p>
+        </p:txBody>
+      </p:sp>
+      <p:sp>
+        <p:nvSpPr>
+          <p:cNvPr id="5" name="Notes Placeholder 4"/>
+          <p:cNvSpPr>
+            <a:spLocks noGrp="1"/>
+          </p:cNvSpPr>
+          <p:nvPr>
+            <p:ph type="body" sz="quarter" idx="3"/>
+          </p:nvPr>
+        </p:nvSpPr>
+        <p:spPr>
+          <a:xfrm>
+            <a:off x="685800" y="4400550"/>
+            <a:ext cx="5486400" cy="3600450"/>
+          </a:xfrm>
+          <a:prstGeom prst="rect">
+            <a:avLst/>
+          </a:prstGeom>
+        </p:spPr>
+        <p:txBody>
+          <a:bodyPr vert="horz" lIns="91440" tIns="45720" rIns="91440" bIns="45720" rtlCol="0"/>
+          <a:lstStyle/>
+          <a:p>
+            <a:pPr lvl="0"/>
+            <a:r>
+              <a:rPr lang="en-US"/>
+              <a:t>Click to edit Master text styles</a:t>
+            </a:r>
+          </a:p>
+          <a:p>
+            <a:pPr lvl="1"/>
+            <a:r>
+              <a:rPr lang="en-US"/>
+              <a:t>Second level</a:t>
+            </a:r>
+          </a:p>
+          <a:p>
+            <a:pPr lvl="2"/>
+            <a:r>
+              <a:rPr lang="en-US"/>
+              <a:t>Third level</a:t>
+            </a:r>
+          </a:p>
+          <a:p>
+            <a:pPr lvl="3"/>
+            <a:r>
+              <a:rPr lang="en-US"/>
+              <a:t>Fourth level</a:t>
+            </a:r>
+          </a:p>
+          <a:p>
+            <a:pPr lvl="4"/>
+            <a:r>
+              <a:rPr lang="en-US"/>
+              <a:t>Fifth level</a:t>
+            </a:r>
+          </a:p>
+        </p:txBody>
+      </p:sp>
+      <p:sp>
+        <p:nvSpPr>
+          <p:cNvPr id="6" name="Footer Placeholder 5"/>
+          <p:cNvSpPr>
+            <a:spLocks noGrp="1"/>
+          </p:cNvSpPr>
+          <p:nvPr>
+            <p:ph type="ftr" sz="quarter" idx="4"/>
+          </p:nvPr>
+        </p:nvSpPr>
+        <p:spPr>
+          <a:xfrm>
+            <a:off x="0" y="8685213"/>
+            <a:ext cx="2971800" cy="458787"/>
+          </a:xfrm>
+          <a:prstGeom prst="rect">
+            <a:avLst/>
+          </a:prstGeom>
+        </p:spPr>
+        <p:txBody>
+          <a:bodyPr vert="horz" lIns="91440" tIns="45720" rIns="91440" bIns="45720" rtlCol="0" anchor="b"/>
+          <a:lstStyle>
+            <a:lvl1pPr algn="l">
+              <a:defRPr sz="1200"/>
+            </a:lvl1pPr>
+          </a:lstStyle>
+          <a:p>
+            <a:endParaRPr lang="en-US"/>
+          </a:p>
+        </p:txBody>
+      </p:sp>
+      <p:sp>
+        <p:nvSpPr>
+          <p:cNvPr id="7" name="Slide Number Placeholder 6"/>
+          <p:cNvSpPr>
+            <a:spLocks noGrp="1"/>
+          </p:cNvSpPr>
+          <p:nvPr>
+            <p:ph type="sldNum" sz="quarter" idx="5"/>
+          </p:nvPr>
+        </p:nvSpPr>
+        <p:spPr>
+          <a:xfrm>
+            <a:off x="3884613" y="8685213"/>
+            <a:ext cx="2971800" cy="458787"/>
+          </a:xfrm>
+          <a:prstGeom prst="rect">
+            <a:avLst/>
+          </a:prstGeom>
+        </p:spPr>
+        <p:txBody>
+          <a:bodyPr vert="horz" lIns="91440" tIns="45720" rIns="91440" bIns="45720" rtlCol="0" anchor="b"/>
+          <a:lstStyle>
+            <a:lvl1pPr algn="r">
+              <a:defRPr sz="1200"/>
+            </a:lvl1pPr>
+          </a:lstStyle>
+          <a:p>
+            <a:fld id="{6E8240FC-0217-F745-AF89-69627526A538}" type="slidenum">
+              <a:rPr lang="en-US" smtClean="0"/>
+              <a:t>‹#›</a:t>
+            </a:fld>
+            <a:endParaRPr lang="en-US"/>
+          </a:p>
+        </p:txBody>
+      </p:sp>
+    </p:spTree>
+    <p:extLst>
+      <p:ext uri="{BB962C8B-B14F-4D97-AF65-F5344CB8AC3E}">
+        <p14:creationId xmlns:p14="http://schemas.microsoft.com/office/powerpoint/2010/main" val="268650415"/>
+      </p:ext>
+    </p:extLst>
+  </p:cSld>
+  <p:clrMap bg1="lt1" tx1="dk1" bg2="lt2" tx2="dk2" accent1="accent1" accent2="accent2" accent3="accent3" accent4="accent4" accent5="accent5" accent6="accent6" hlink="hlink" folHlink="folHlink"/>
+  <p:notesStyle>
+    <a:lvl1pPr marL="0" algn="l" defTabSz="914400" rtl="0" eaLnBrk="1" latinLnBrk="0" hangingPunct="1">
+      <a:defRPr sz="1200" kern="1200">
+        <a:solidFill>
+          <a:schemeClr val="tx1"/>
+        </a:solidFill>
+        <a:latin typeface="+mn-lt"/>
+        <a:ea typeface="+mn-ea"/>
+        <a:cs typeface="+mn-cs"/>
+      </a:defRPr>
+    </a:lvl1pPr>
+    <a:lvl2pPr marL="457200" algn="l" defTabSz="914400" rtl="0" eaLnBrk="1" latinLnBrk="0" hangingPunct="1">
+      <a:defRPr sz="1200" kern="1200">
+        <a:solidFill>
+          <a:schemeClr val="tx1"/>
+        </a:solidFill>
+        <a:latin typeface="+mn-lt"/>
+        <a:ea typeface="+mn-ea"/>
+        <a:cs typeface="+mn-cs"/>
+      </a:defRPr>
+    </a:lvl2pPr>
+    <a:lvl3pPr marL="914400" algn="l" defTabSz="914400" rtl="0" eaLnBrk="1" latinLnBrk="0" hangingPunct="1">
+      <a:defRPr sz="1200" kern="1200">
+        <a:solidFill>
+          <a:schemeClr val="tx1"/>
+        </a:solidFill>
+        <a:latin typeface="+mn-lt"/>
+        <a:ea typeface="+mn-ea"/>
+        <a:cs typeface="+mn-cs"/>
+      </a:defRPr>
+    </a:lvl3pPr>
+    <a:lvl4pPr marL="1371600" algn="l" defTabSz="914400" rtl="0" eaLnBrk="1" latinLnBrk="0" hangingPunct="1">
+      <a:defRPr sz="1200" kern="1200">
+        <a:solidFill>
+          <a:schemeClr val="tx1"/>
+        </a:solidFill>
+        <a:latin typeface="+mn-lt"/>
+        <a:ea typeface="+mn-ea"/>
+        <a:cs typeface="+mn-cs"/>
+      </a:defRPr>
+    </a:lvl4pPr>
+    <a:lvl5pPr marL="1828800" algn="l" defTabSz="914400" rtl="0" eaLnBrk="1" latinLnBrk="0" hangingPunct="1">
+      <a:defRPr sz="1200" kern="1200">
+        <a:solidFill>
+          <a:schemeClr val="tx1"/>
+        </a:solidFill>
+        <a:latin typeface="+mn-lt"/>
+        <a:ea typeface="+mn-ea"/>
+        <a:cs typeface="+mn-cs"/>
+      </a:defRPr>
+    </a:lvl5pPr>
+    <a:lvl6pPr marL="2286000" algn="l" defTabSz="914400" rtl="0" eaLnBrk="1" latinLnBrk="0" hangingPunct="1">
+      <a:defRPr sz="1200" kern="1200">
+        <a:solidFill>
+          <a:schemeClr val="tx1"/>
+        </a:solidFill>
+        <a:latin typeface="+mn-lt"/>
+        <a:ea typeface="+mn-ea"/>
+        <a:cs typeface="+mn-cs"/>
+      </a:defRPr>
+    </a:lvl6pPr>
+    <a:lvl7pPr marL="2743200" algn="l" defTabSz="914400" rtl="0" eaLnBrk="1" latinLnBrk="0" hangingPunct="1">
+      <a:defRPr sz="1200" kern="1200">
+        <a:solidFill>
+          <a:schemeClr val="tx1"/>
+        </a:solidFill>
+        <a:latin typeface="+mn-lt"/>
+        <a:ea typeface="+mn-ea"/>
+        <a:cs typeface="+mn-cs"/>
+      </a:defRPr>
+    </a:lvl7pPr>
+    <a:lvl8pPr marL="3200400" algn="l" defTabSz="914400" rtl="0" eaLnBrk="1" latinLnBrk="0" hangingPunct="1">
+      <a:defRPr sz="1200" kern="1200">
+        <a:solidFill>
+          <a:schemeClr val="tx1"/>
+        </a:solidFill>
+        <a:latin typeface="+mn-lt"/>
+        <a:ea typeface="+mn-ea"/>
+        <a:cs typeface="+mn-cs"/>
+      </a:defRPr>
+    </a:lvl8pPr>
+    <a:lvl9pPr marL="3657600" algn="l" defTabSz="914400" rtl="0" eaLnBrk="1" latinLnBrk="0" hangingPunct="1">
+      <a:defRPr sz="1200" kern="1200">
+        <a:solidFill>
+          <a:schemeClr val="tx1"/>
+        </a:solidFill>
+        <a:latin typeface="+mn-lt"/>
+        <a:ea typeface="+mn-ea"/>
+        <a:cs typeface="+mn-cs"/>
+      </a:defRPr>
+    </a:lvl9pPr>
+  </p:notesStyle>
+</p:notesMaster>
+</file>
+
+<file path=ppt/notesSlides/notesSlide1.xml><?xml version="1.0" encoding="utf-8"?>
+<p:notes xmlns:a="http://schemas.openxmlformats.org/drawingml/2006/main" xmlns:r="http://schemas.openxmlformats.org/officeDocument/2006/relationships" xmlns:p="http://schemas.openxmlformats.org/presentationml/2006/main">
+  <p:cSld>
+    <p:spTree>
+      <p:nvGrpSpPr>
+        <p:cNvPr id="1" name=""/>
+        <p:cNvGrpSpPr/>
+        <p:nvPr/>
+      </p:nvGrpSpPr>
+      <p:grpSpPr>
+        <a:xfrm>
+          <a:off x="0" y="0"/>
+          <a:ext cx="0" cy="0"/>
+          <a:chOff x="0" y="0"/>
+          <a:chExt cx="0" cy="0"/>
+        </a:xfrm>
+      </p:grpSpPr>
+      <p:sp>
+        <p:nvSpPr>
+          <p:cNvPr id="2" name="Slide Image Placeholder 1"/>
+          <p:cNvSpPr>
+            <a:spLocks noGrp="1" noRot="1" noChangeAspect="1"/>
+          </p:cNvSpPr>
+          <p:nvPr>
+            <p:ph type="sldImg"/>
+          </p:nvPr>
+        </p:nvSpPr>
+        <p:spPr/>
+      </p:sp>
+      <p:sp>
+        <p:nvSpPr>
+          <p:cNvPr id="3" name="Notes Placeholder 2"/>
+          <p:cNvSpPr>
+            <a:spLocks noGrp="1"/>
+          </p:cNvSpPr>
+          <p:nvPr>
+            <p:ph type="body" idx="1"/>
+          </p:nvPr>
+        </p:nvSpPr>
+        <p:spPr/>
+        <p:txBody>
+          <a:bodyPr/>
+          <a:lstStyle/>
+          <a:p>
+            <a:endParaRPr lang="en-US" dirty="0"/>
+          </a:p>
+        </p:txBody>
+      </p:sp>
+      <p:sp>
+        <p:nvSpPr>
+          <p:cNvPr id="4" name="Slide Number Placeholder 3"/>
+          <p:cNvSpPr>
+            <a:spLocks noGrp="1"/>
+          </p:cNvSpPr>
+          <p:nvPr>
+            <p:ph type="sldNum" sz="quarter" idx="5"/>
+          </p:nvPr>
+        </p:nvSpPr>
+        <p:spPr/>
+        <p:txBody>
+          <a:bodyPr/>
+          <a:lstStyle/>
+          <a:p>
+            <a:fld id="{6E8240FC-0217-F745-AF89-69627526A538}" type="slidenum">
+              <a:rPr lang="en-US" smtClean="0"/>
+              <a:t>1</a:t>
+            </a:fld>
+            <a:endParaRPr lang="en-US"/>
+          </a:p>
+        </p:txBody>
+      </p:sp>
+    </p:spTree>
+    <p:extLst>
+      <p:ext uri="{BB962C8B-B14F-4D97-AF65-F5344CB8AC3E}">
+        <p14:creationId xmlns:p14="http://schemas.microsoft.com/office/powerpoint/2010/main" val="3773235977"/>
+      </p:ext>
+    </p:extLst>
+  </p:cSld>
+  <p:clrMapOvr>
+    <a:masterClrMapping/>
+  </p:clrMapOvr>
+</p:notes>
+</file>
+
 <file path=ppt/slideLayouts/slideLayout1.xml><?xml version="1.0" encoding="utf-8"?>
 <p:sldLayout xmlns:a="http://schemas.openxmlformats.org/drawingml/2006/main" xmlns:r="http://schemas.openxmlformats.org/officeDocument/2006/relationships" xmlns:p="http://schemas.openxmlformats.org/presentationml/2006/main" type="title" preserve="1">
   <p:cSld name="Title Slide">
@@ -259,7 +696,7 @@
           <a:p>
             <a:fld id="{F4152273-3BB8-2D47-9B97-809FB3B4ED9B}" type="datetimeFigureOut">
               <a:rPr lang="en-US" smtClean="0"/>
-              <a:t>2/10/22</a:t>
+              <a:t>2/14/22</a:t>
             </a:fld>
             <a:endParaRPr lang="en-US"/>
           </a:p>
@@ -457,7 +894,7 @@
           <a:p>
             <a:fld id="{F4152273-3BB8-2D47-9B97-809FB3B4ED9B}" type="datetimeFigureOut">
               <a:rPr lang="en-US" smtClean="0"/>
-              <a:t>2/10/22</a:t>
+              <a:t>2/14/22</a:t>
             </a:fld>
             <a:endParaRPr lang="en-US"/>
           </a:p>
@@ -665,7 +1102,7 @@
           <a:p>
             <a:fld id="{F4152273-3BB8-2D47-9B97-809FB3B4ED9B}" type="datetimeFigureOut">
               <a:rPr lang="en-US" smtClean="0"/>
-              <a:t>2/10/22</a:t>
+              <a:t>2/14/22</a:t>
             </a:fld>
             <a:endParaRPr lang="en-US"/>
           </a:p>
@@ -863,7 +1300,7 @@
           <a:p>
             <a:fld id="{F4152273-3BB8-2D47-9B97-809FB3B4ED9B}" type="datetimeFigureOut">
               <a:rPr lang="en-US" smtClean="0"/>
-              <a:t>2/10/22</a:t>
+              <a:t>2/14/22</a:t>
             </a:fld>
             <a:endParaRPr lang="en-US"/>
           </a:p>
@@ -1138,7 +1575,7 @@
           <a:p>
             <a:fld id="{F4152273-3BB8-2D47-9B97-809FB3B4ED9B}" type="datetimeFigureOut">
               <a:rPr lang="en-US" smtClean="0"/>
-              <a:t>2/10/22</a:t>
+              <a:t>2/14/22</a:t>
             </a:fld>
             <a:endParaRPr lang="en-US"/>
           </a:p>
@@ -1403,7 +1840,7 @@
           <a:p>
             <a:fld id="{F4152273-3BB8-2D47-9B97-809FB3B4ED9B}" type="datetimeFigureOut">
               <a:rPr lang="en-US" smtClean="0"/>
-              <a:t>2/10/22</a:t>
+              <a:t>2/14/22</a:t>
             </a:fld>
             <a:endParaRPr lang="en-US"/>
           </a:p>
@@ -1815,7 +2252,7 @@
           <a:p>
             <a:fld id="{F4152273-3BB8-2D47-9B97-809FB3B4ED9B}" type="datetimeFigureOut">
               <a:rPr lang="en-US" smtClean="0"/>
-              <a:t>2/10/22</a:t>
+              <a:t>2/14/22</a:t>
             </a:fld>
             <a:endParaRPr lang="en-US"/>
           </a:p>
@@ -1956,7 +2393,7 @@
           <a:p>
             <a:fld id="{F4152273-3BB8-2D47-9B97-809FB3B4ED9B}" type="datetimeFigureOut">
               <a:rPr lang="en-US" smtClean="0"/>
-              <a:t>2/10/22</a:t>
+              <a:t>2/14/22</a:t>
             </a:fld>
             <a:endParaRPr lang="en-US"/>
           </a:p>
@@ -2069,7 +2506,7 @@
           <a:p>
             <a:fld id="{F4152273-3BB8-2D47-9B97-809FB3B4ED9B}" type="datetimeFigureOut">
               <a:rPr lang="en-US" smtClean="0"/>
-              <a:t>2/10/22</a:t>
+              <a:t>2/14/22</a:t>
             </a:fld>
             <a:endParaRPr lang="en-US"/>
           </a:p>
@@ -2380,7 +2817,7 @@
           <a:p>
             <a:fld id="{F4152273-3BB8-2D47-9B97-809FB3B4ED9B}" type="datetimeFigureOut">
               <a:rPr lang="en-US" smtClean="0"/>
-              <a:t>2/10/22</a:t>
+              <a:t>2/14/22</a:t>
             </a:fld>
             <a:endParaRPr lang="en-US"/>
           </a:p>
@@ -2668,7 +3105,7 @@
           <a:p>
             <a:fld id="{F4152273-3BB8-2D47-9B97-809FB3B4ED9B}" type="datetimeFigureOut">
               <a:rPr lang="en-US" smtClean="0"/>
-              <a:t>2/10/22</a:t>
+              <a:t>2/14/22</a:t>
             </a:fld>
             <a:endParaRPr lang="en-US"/>
           </a:p>
@@ -2909,7 +3346,7 @@
           <a:p>
             <a:fld id="{F4152273-3BB8-2D47-9B97-809FB3B4ED9B}" type="datetimeFigureOut">
               <a:rPr lang="en-US" smtClean="0"/>
-              <a:t>2/10/22</a:t>
+              <a:t>2/14/22</a:t>
             </a:fld>
             <a:endParaRPr lang="en-US"/>
           </a:p>
@@ -3348,8 +3785,8 @@
         </p:nvSpPr>
         <p:spPr>
           <a:xfrm>
-            <a:off x="3691854" y="3002688"/>
-            <a:ext cx="2367811" cy="568411"/>
+            <a:off x="3842837" y="3024985"/>
+            <a:ext cx="2198074" cy="492363"/>
           </a:xfrm>
           <a:prstGeom prst="rect">
             <a:avLst/>
@@ -3554,13 +3991,13 @@
           <p:nvPr/>
         </p:nvPicPr>
         <p:blipFill rotWithShape="1">
-          <a:blip r:embed="rId2"/>
+          <a:blip r:embed="rId3"/>
           <a:srcRect l="3262" r="5825"/>
           <a:stretch/>
         </p:blipFill>
         <p:spPr>
           <a:xfrm>
-            <a:off x="107873" y="1597968"/>
+            <a:off x="114894" y="1992240"/>
             <a:ext cx="2755557" cy="659370"/>
           </a:xfrm>
           <a:prstGeom prst="rect">
@@ -3574,36 +4011,6 @@
             <a:extLst>
               <a:ext uri="{FF2B5EF4-FFF2-40B4-BE49-F238E27FC236}">
                 <a16:creationId xmlns:a16="http://schemas.microsoft.com/office/drawing/2014/main" id="{ABE7BD99-1CFC-3A45-9266-58C32ADAC15C}"/>
-              </a:ext>
-            </a:extLst>
-          </p:cNvPr>
-          <p:cNvPicPr>
-            <a:picLocks noChangeAspect="1"/>
-          </p:cNvPicPr>
-          <p:nvPr/>
-        </p:nvPicPr>
-        <p:blipFill>
-          <a:blip r:embed="rId3"/>
-          <a:stretch>
-            <a:fillRect/>
-          </a:stretch>
-        </p:blipFill>
-        <p:spPr>
-          <a:xfrm>
-            <a:off x="3691854" y="1127735"/>
-            <a:ext cx="2367811" cy="2630901"/>
-          </a:xfrm>
-          <a:prstGeom prst="rect">
-            <a:avLst/>
-          </a:prstGeom>
-        </p:spPr>
-      </p:pic>
-      <p:pic>
-        <p:nvPicPr>
-          <p:cNvPr id="14" name="Picture 13" descr="Logo&#10;&#10;Description automatically generated">
-            <a:extLst>
-              <a:ext uri="{FF2B5EF4-FFF2-40B4-BE49-F238E27FC236}">
-                <a16:creationId xmlns:a16="http://schemas.microsoft.com/office/drawing/2014/main" id="{E313A044-7824-B44D-9864-F684DA9DD2BC}"/>
               </a:ext>
             </a:extLst>
           </p:cNvPr>
@@ -3620,7 +4027,37 @@
         </p:blipFill>
         <p:spPr>
           <a:xfrm>
-            <a:off x="3332621" y="3758636"/>
+            <a:off x="3757969" y="1101596"/>
+            <a:ext cx="2367811" cy="2630901"/>
+          </a:xfrm>
+          <a:prstGeom prst="rect">
+            <a:avLst/>
+          </a:prstGeom>
+        </p:spPr>
+      </p:pic>
+      <p:pic>
+        <p:nvPicPr>
+          <p:cNvPr id="14" name="Picture 13" descr="Logo&#10;&#10;Description automatically generated">
+            <a:extLst>
+              <a:ext uri="{FF2B5EF4-FFF2-40B4-BE49-F238E27FC236}">
+                <a16:creationId xmlns:a16="http://schemas.microsoft.com/office/drawing/2014/main" id="{E313A044-7824-B44D-9864-F684DA9DD2BC}"/>
+              </a:ext>
+            </a:extLst>
+          </p:cNvPr>
+          <p:cNvPicPr>
+            <a:picLocks noChangeAspect="1"/>
+          </p:cNvPicPr>
+          <p:nvPr/>
+        </p:nvPicPr>
+        <p:blipFill>
+          <a:blip r:embed="rId5"/>
+          <a:stretch>
+            <a:fillRect/>
+          </a:stretch>
+        </p:blipFill>
+        <p:spPr>
+          <a:xfrm>
+            <a:off x="3368956" y="3695637"/>
             <a:ext cx="3086275" cy="2314706"/>
           </a:xfrm>
           <a:prstGeom prst="rect">
@@ -3643,7 +4080,7 @@
           <p:nvPr/>
         </p:nvPicPr>
         <p:blipFill>
-          <a:blip r:embed="rId5">
+          <a:blip r:embed="rId6">
             <a:extLst>
               <a:ext uri="{28A0092B-C50C-407E-A947-70E740481C1C}">
                 <a14:useLocalDpi xmlns:a14="http://schemas.microsoft.com/office/drawing/2010/main" val="0"/>
@@ -3657,7 +4094,7 @@
         </p:blipFill>
         <p:spPr bwMode="auto">
           <a:xfrm>
-            <a:off x="6668020" y="1529803"/>
+            <a:off x="8019156" y="-1700294"/>
             <a:ext cx="2702271" cy="1455069"/>
           </a:xfrm>
           <a:prstGeom prst="rect">
@@ -3690,7 +4127,7 @@
           <p:nvPr/>
         </p:nvPicPr>
         <p:blipFill rotWithShape="1">
-          <a:blip r:embed="rId6">
+          <a:blip r:embed="rId7">
             <a:extLst>
               <a:ext uri="{28A0092B-C50C-407E-A947-70E740481C1C}">
                 <a14:useLocalDpi xmlns:a14="http://schemas.microsoft.com/office/drawing/2010/main" val="0"/>
@@ -3702,8 +4139,55 @@
         </p:blipFill>
         <p:spPr bwMode="auto">
           <a:xfrm>
-            <a:off x="9994413" y="1527416"/>
+            <a:off x="9768855" y="1523894"/>
             <a:ext cx="1905143" cy="2171743"/>
+          </a:xfrm>
+          <a:prstGeom prst="rect">
+            <a:avLst/>
+          </a:prstGeom>
+          <a:noFill/>
+          <a:extLst>
+            <a:ext uri="{909E8E84-426E-40DD-AFC4-6F175D3DCCD1}">
+              <a14:hiddenFill xmlns:a14="http://schemas.microsoft.com/office/drawing/2010/main">
+                <a:solidFill>
+                  <a:srgbClr val="FFFFFF"/>
+                </a:solidFill>
+              </a14:hiddenFill>
+            </a:ext>
+          </a:extLst>
+        </p:spPr>
+      </p:pic>
+      <p:pic>
+        <p:nvPicPr>
+          <p:cNvPr id="1026" name="Picture 2">
+            <a:extLst>
+              <a:ext uri="{FF2B5EF4-FFF2-40B4-BE49-F238E27FC236}">
+                <a16:creationId xmlns:a16="http://schemas.microsoft.com/office/drawing/2014/main" id="{5B6E9374-F603-6443-8020-A7F17663A0E3}"/>
+              </a:ext>
+            </a:extLst>
+          </p:cNvPr>
+          <p:cNvPicPr>
+            <a:picLocks noChangeAspect="1" noChangeArrowheads="1"/>
+          </p:cNvPicPr>
+          <p:nvPr/>
+        </p:nvPicPr>
+        <p:blipFill>
+          <a:blip r:embed="rId8">
+            <a:extLst>
+              <a:ext uri="{28A0092B-C50C-407E-A947-70E740481C1C}">
+                <a14:useLocalDpi xmlns:a14="http://schemas.microsoft.com/office/drawing/2010/main" val="0"/>
+              </a:ext>
+            </a:extLst>
+          </a:blip>
+          <a:srcRect/>
+          <a:stretch>
+            <a:fillRect/>
+          </a:stretch>
+        </p:blipFill>
+        <p:spPr bwMode="auto">
+          <a:xfrm>
+            <a:off x="5651346" y="925069"/>
+            <a:ext cx="4735622" cy="2630901"/>
           </a:xfrm>
           <a:prstGeom prst="rect">
             <a:avLst/>
@@ -3724,6 +4208,262 @@
     <p:extLst>
       <p:ext uri="{BB962C8B-B14F-4D97-AF65-F5344CB8AC3E}">
         <p14:creationId xmlns:p14="http://schemas.microsoft.com/office/powerpoint/2010/main" val="3300072781"/>
+      </p:ext>
+    </p:extLst>
+  </p:cSld>
+  <p:clrMapOvr>
+    <a:masterClrMapping/>
+  </p:clrMapOvr>
+</p:sld>
+</file>
+
+<file path=ppt/slides/slide2.xml><?xml version="1.0" encoding="utf-8"?>
+<p:sld xmlns:a="http://schemas.openxmlformats.org/drawingml/2006/main" xmlns:r="http://schemas.openxmlformats.org/officeDocument/2006/relationships" xmlns:p="http://schemas.openxmlformats.org/presentationml/2006/main">
+  <p:cSld>
+    <p:bg>
+      <p:bgPr>
+        <a:solidFill>
+          <a:srgbClr val="212529"/>
+        </a:solidFill>
+        <a:effectLst/>
+      </p:bgPr>
+    </p:bg>
+    <p:spTree>
+      <p:nvGrpSpPr>
+        <p:cNvPr id="1" name=""/>
+        <p:cNvGrpSpPr/>
+        <p:nvPr/>
+      </p:nvGrpSpPr>
+      <p:grpSpPr>
+        <a:xfrm>
+          <a:off x="0" y="0"/>
+          <a:ext cx="0" cy="0"/>
+          <a:chOff x="0" y="0"/>
+          <a:chExt cx="0" cy="0"/>
+        </a:xfrm>
+      </p:grpSpPr>
+      <p:graphicFrame>
+        <p:nvGraphicFramePr>
+          <p:cNvPr id="4" name="Table 4">
+            <a:extLst>
+              <a:ext uri="{FF2B5EF4-FFF2-40B4-BE49-F238E27FC236}">
+                <a16:creationId xmlns:a16="http://schemas.microsoft.com/office/drawing/2014/main" id="{DD6E9BAA-8604-804E-9505-EB48AC68038F}"/>
+              </a:ext>
+            </a:extLst>
+          </p:cNvPr>
+          <p:cNvGraphicFramePr>
+            <a:graphicFrameLocks noGrp="1"/>
+          </p:cNvGraphicFramePr>
+          <p:nvPr>
+            <p:ph idx="1"/>
+            <p:extLst>
+              <p:ext uri="{D42A27DB-BD31-4B8C-83A1-F6EECF244321}">
+                <p14:modId xmlns:p14="http://schemas.microsoft.com/office/powerpoint/2010/main" val="1741052728"/>
+              </p:ext>
+            </p:extLst>
+          </p:nvPr>
+        </p:nvGraphicFramePr>
+        <p:xfrm>
+          <a:off x="838202" y="120385"/>
+          <a:ext cx="10515597" cy="1371600"/>
+        </p:xfrm>
+        <a:graphic>
+          <a:graphicData uri="http://schemas.openxmlformats.org/drawingml/2006/table">
+            <a:tbl>
+              <a:tblPr firstRow="1" bandRow="1">
+                <a:tableStyleId>{5202B0CA-FC54-4496-8BCA-5EF66A818D29}</a:tableStyleId>
+              </a:tblPr>
+              <a:tblGrid>
+                <a:gridCol w="3505199">
+                  <a:extLst>
+                    <a:ext uri="{9D8B030D-6E8A-4147-A177-3AD203B41FA5}">
+                      <a16:colId xmlns:a16="http://schemas.microsoft.com/office/drawing/2014/main" val="3377470828"/>
+                    </a:ext>
+                  </a:extLst>
+                </a:gridCol>
+                <a:gridCol w="3505199">
+                  <a:extLst>
+                    <a:ext uri="{9D8B030D-6E8A-4147-A177-3AD203B41FA5}">
+                      <a16:colId xmlns:a16="http://schemas.microsoft.com/office/drawing/2014/main" val="235306545"/>
+                    </a:ext>
+                  </a:extLst>
+                </a:gridCol>
+                <a:gridCol w="3505199">
+                  <a:extLst>
+                    <a:ext uri="{9D8B030D-6E8A-4147-A177-3AD203B41FA5}">
+                      <a16:colId xmlns:a16="http://schemas.microsoft.com/office/drawing/2014/main" val="174031165"/>
+                    </a:ext>
+                  </a:extLst>
+                </a:gridCol>
+              </a:tblGrid>
+              <a:tr h="370840">
+                <a:tc>
+                  <a:txBody>
+                    <a:bodyPr/>
+                    <a:lstStyle/>
+                    <a:p>
+                      <a:r>
+                        <a:rPr lang="en-US" sz="2400" dirty="0"/>
+                        <a:t>MODEL</a:t>
+                      </a:r>
+                    </a:p>
+                  </a:txBody>
+                  <a:tcPr/>
+                </a:tc>
+                <a:tc>
+                  <a:txBody>
+                    <a:bodyPr/>
+                    <a:lstStyle/>
+                    <a:p>
+                      <a:r>
+                        <a:rPr lang="en-US" sz="2400" dirty="0"/>
+                        <a:t>FEATURES</a:t>
+                      </a:r>
+                    </a:p>
+                  </a:txBody>
+                  <a:tcPr/>
+                </a:tc>
+                <a:tc>
+                  <a:txBody>
+                    <a:bodyPr/>
+                    <a:lstStyle/>
+                    <a:p>
+                      <a:r>
+                        <a:rPr lang="en-US" sz="2400" dirty="0"/>
+                        <a:t>ACCURACY</a:t>
+                      </a:r>
+                    </a:p>
+                  </a:txBody>
+                  <a:tcPr/>
+                </a:tc>
+                <a:extLst>
+                  <a:ext uri="{0D108BD9-81ED-4DB2-BD59-A6C34878D82A}">
+                    <a16:rowId xmlns:a16="http://schemas.microsoft.com/office/drawing/2014/main" val="2647971983"/>
+                  </a:ext>
+                </a:extLst>
+              </a:tr>
+              <a:tr h="370840">
+                <a:tc>
+                  <a:txBody>
+                    <a:bodyPr/>
+                    <a:lstStyle/>
+                    <a:p>
+                      <a:r>
+                        <a:rPr lang="en-US" sz="2400" dirty="0"/>
+                        <a:t>XGBoost Classifier</a:t>
+                      </a:r>
+                    </a:p>
+                  </a:txBody>
+                  <a:tcPr/>
+                </a:tc>
+                <a:tc>
+                  <a:txBody>
+                    <a:bodyPr/>
+                    <a:lstStyle/>
+                    <a:p>
+                      <a:r>
+                        <a:rPr lang="en-US" sz="2400" dirty="0"/>
+                        <a:t>18</a:t>
+                      </a:r>
+                    </a:p>
+                  </a:txBody>
+                  <a:tcPr/>
+                </a:tc>
+                <a:tc>
+                  <a:txBody>
+                    <a:bodyPr/>
+                    <a:lstStyle/>
+                    <a:p>
+                      <a:r>
+                        <a:rPr lang="en-US" sz="2400" dirty="0"/>
+                        <a:t>77.5</a:t>
+                      </a:r>
+                      <a:r>
+                        <a:rPr lang="en-US" sz="2400" b="1" dirty="0"/>
+                        <a:t>%</a:t>
+                      </a:r>
+                      <a:endParaRPr lang="en-US" sz="2400" dirty="0"/>
+                    </a:p>
+                  </a:txBody>
+                  <a:tcPr/>
+                </a:tc>
+                <a:extLst>
+                  <a:ext uri="{0D108BD9-81ED-4DB2-BD59-A6C34878D82A}">
+                    <a16:rowId xmlns:a16="http://schemas.microsoft.com/office/drawing/2014/main" val="1073721126"/>
+                  </a:ext>
+                </a:extLst>
+              </a:tr>
+              <a:tr h="370840">
+                <a:tc>
+                  <a:txBody>
+                    <a:bodyPr/>
+                    <a:lstStyle/>
+                    <a:p>
+                      <a:pPr marL="0" marR="0" lvl="0" indent="0" algn="l" defTabSz="914400" rtl="0" eaLnBrk="1" fontAlgn="auto" latinLnBrk="0" hangingPunct="1">
+                        <a:lnSpc>
+                          <a:spcPct val="100000"/>
+                        </a:lnSpc>
+                        <a:spcBef>
+                          <a:spcPts val="0"/>
+                        </a:spcBef>
+                        <a:spcAft>
+                          <a:spcPts val="0"/>
+                        </a:spcAft>
+                        <a:buClrTx/>
+                        <a:buSzTx/>
+                        <a:buFontTx/>
+                        <a:buNone/>
+                        <a:tabLst/>
+                        <a:defRPr/>
+                      </a:pPr>
+                      <a:r>
+                        <a:rPr lang="en-US" sz="2400" dirty="0"/>
+                        <a:t>XGBoost Classifier</a:t>
+                      </a:r>
+                    </a:p>
+                  </a:txBody>
+                  <a:tcPr/>
+                </a:tc>
+                <a:tc>
+                  <a:txBody>
+                    <a:bodyPr/>
+                    <a:lstStyle/>
+                    <a:p>
+                      <a:r>
+                        <a:rPr lang="en-US" sz="2400" dirty="0"/>
+                        <a:t>6</a:t>
+                      </a:r>
+                    </a:p>
+                  </a:txBody>
+                  <a:tcPr/>
+                </a:tc>
+                <a:tc>
+                  <a:txBody>
+                    <a:bodyPr/>
+                    <a:lstStyle/>
+                    <a:p>
+                      <a:r>
+                        <a:rPr lang="en-US" sz="2400" dirty="0"/>
+                        <a:t>75.8%</a:t>
+                      </a:r>
+                    </a:p>
+                  </a:txBody>
+                  <a:tcPr/>
+                </a:tc>
+                <a:extLst>
+                  <a:ext uri="{0D108BD9-81ED-4DB2-BD59-A6C34878D82A}">
+                    <a16:rowId xmlns:a16="http://schemas.microsoft.com/office/drawing/2014/main" val="621879064"/>
+                  </a:ext>
+                </a:extLst>
+              </a:tr>
+            </a:tbl>
+          </a:graphicData>
+        </a:graphic>
+      </p:graphicFrame>
+    </p:spTree>
+    <p:extLst>
+      <p:ext uri="{BB962C8B-B14F-4D97-AF65-F5344CB8AC3E}">
+        <p14:creationId xmlns:p14="http://schemas.microsoft.com/office/powerpoint/2010/main" val="1954138404"/>
       </p:ext>
     </p:extLst>
   </p:cSld>
@@ -4026,4 +4766,299 @@
     </a:ext>
   </a:extLst>
 </a:theme>
+</file>
+
+<file path=ppt/theme/theme2.xml><?xml version="1.0" encoding="utf-8"?>
+<a:theme xmlns:a="http://schemas.openxmlformats.org/drawingml/2006/main" name="Office Theme">
+  <a:themeElements>
+    <a:clrScheme name="Office">
+      <a:dk1>
+        <a:sysClr val="windowText" lastClr="000000"/>
+      </a:dk1>
+      <a:lt1>
+        <a:sysClr val="window" lastClr="FFFFFF"/>
+      </a:lt1>
+      <a:dk2>
+        <a:srgbClr val="44546A"/>
+      </a:dk2>
+      <a:lt2>
+        <a:srgbClr val="E7E6E6"/>
+      </a:lt2>
+      <a:accent1>
+        <a:srgbClr val="4472C4"/>
+      </a:accent1>
+      <a:accent2>
+        <a:srgbClr val="ED7D31"/>
+      </a:accent2>
+      <a:accent3>
+        <a:srgbClr val="A5A5A5"/>
+      </a:accent3>
+      <a:accent4>
+        <a:srgbClr val="FFC000"/>
+      </a:accent4>
+      <a:accent5>
+        <a:srgbClr val="5B9BD5"/>
+      </a:accent5>
+      <a:accent6>
+        <a:srgbClr val="70AD47"/>
+      </a:accent6>
+      <a:hlink>
+        <a:srgbClr val="0563C1"/>
+      </a:hlink>
+      <a:folHlink>
+        <a:srgbClr val="954F72"/>
+      </a:folHlink>
+    </a:clrScheme>
+    <a:fontScheme name="Office">
+      <a:majorFont>
+        <a:latin typeface="Calibri Light" panose="020F0302020204030204"/>
+        <a:ea typeface=""/>
+        <a:cs typeface=""/>
+        <a:font script="Jpan" typeface="游ゴシック Light"/>
+        <a:font script="Hang" typeface="맑은 고딕"/>
+        <a:font script="Hans" typeface="等线 Light"/>
+        <a:font script="Hant" typeface="新細明體"/>
+        <a:font script="Arab" typeface="Times New Roman"/>
+        <a:font script="Hebr" typeface="Times New Roman"/>
+        <a:font script="Thai" typeface="Angsana New"/>
+        <a:font script="Ethi" typeface="Nyala"/>
+        <a:font script="Beng" typeface="Vrinda"/>
+        <a:font script="Gujr" typeface="Shruti"/>
+        <a:font script="Khmr" typeface="MoolBoran"/>
+        <a:font script="Knda" typeface="Tunga"/>
+        <a:font script="Guru" typeface="Raavi"/>
+        <a:font script="Cans" typeface="Euphemia"/>
+        <a:font script="Cher" typeface="Plantagenet Cherokee"/>
+        <a:font script="Yiii" typeface="Microsoft Yi Baiti"/>
+        <a:font script="Tibt" typeface="Microsoft Himalaya"/>
+        <a:font script="Thaa" typeface="MV Boli"/>
+        <a:font script="Deva" typeface="Mangal"/>
+        <a:font script="Telu" typeface="Gautami"/>
+        <a:font script="Taml" typeface="Latha"/>
+        <a:font script="Syrc" typeface="Estrangelo Edessa"/>
+        <a:font script="Orya" typeface="Kalinga"/>
+        <a:font script="Mlym" typeface="Kartika"/>
+        <a:font script="Laoo" typeface="DokChampa"/>
+        <a:font script="Sinh" typeface="Iskoola Pota"/>
+        <a:font script="Mong" typeface="Mongolian Baiti"/>
+        <a:font script="Viet" typeface="Times New Roman"/>
+        <a:font script="Uigh" typeface="Microsoft Uighur"/>
+        <a:font script="Geor" typeface="Sylfaen"/>
+        <a:font script="Armn" typeface="Arial"/>
+        <a:font script="Bugi" typeface="Leelawadee UI"/>
+        <a:font script="Bopo" typeface="Microsoft JhengHei"/>
+        <a:font script="Java" typeface="Javanese Text"/>
+        <a:font script="Lisu" typeface="Segoe UI"/>
+        <a:font script="Mymr" typeface="Myanmar Text"/>
+        <a:font script="Nkoo" typeface="Ebrima"/>
+        <a:font script="Olck" typeface="Nirmala UI"/>
+        <a:font script="Osma" typeface="Ebrima"/>
+        <a:font script="Phag" typeface="Phagspa"/>
+        <a:font script="Syrn" typeface="Estrangelo Edessa"/>
+        <a:font script="Syrj" typeface="Estrangelo Edessa"/>
+        <a:font script="Syre" typeface="Estrangelo Edessa"/>
+        <a:font script="Sora" typeface="Nirmala UI"/>
+        <a:font script="Tale" typeface="Microsoft Tai Le"/>
+        <a:font script="Talu" typeface="Microsoft New Tai Lue"/>
+        <a:font script="Tfng" typeface="Ebrima"/>
+      </a:majorFont>
+      <a:minorFont>
+        <a:latin typeface="Calibri" panose="020F0502020204030204"/>
+        <a:ea typeface=""/>
+        <a:cs typeface=""/>
+        <a:font script="Jpan" typeface="游ゴシック"/>
+        <a:font script="Hang" typeface="맑은 고딕"/>
+        <a:font script="Hans" typeface="等线"/>
+        <a:font script="Hant" typeface="新細明體"/>
+        <a:font script="Arab" typeface="Arial"/>
+        <a:font script="Hebr" typeface="Arial"/>
+        <a:font script="Thai" typeface="Cordia New"/>
+        <a:font script="Ethi" typeface="Nyala"/>
+        <a:font script="Beng" typeface="Vrinda"/>
+        <a:font script="Gujr" typeface="Shruti"/>
+        <a:font script="Khmr" typeface="DaunPenh"/>
+        <a:font script="Knda" typeface="Tunga"/>
+        <a:font script="Guru" typeface="Raavi"/>
+        <a:font script="Cans" typeface="Euphemia"/>
+        <a:font script="Cher" typeface="Plantagenet Cherokee"/>
+        <a:font script="Yiii" typeface="Microsoft Yi Baiti"/>
+        <a:font script="Tibt" typeface="Microsoft Himalaya"/>
+        <a:font script="Thaa" typeface="MV Boli"/>
+        <a:font script="Deva" typeface="Mangal"/>
+        <a:font script="Telu" typeface="Gautami"/>
+        <a:font script="Taml" typeface="Latha"/>
+        <a:font script="Syrc" typeface="Estrangelo Edessa"/>
+        <a:font script="Orya" typeface="Kalinga"/>
+        <a:font script="Mlym" typeface="Kartika"/>
+        <a:font script="Laoo" typeface="DokChampa"/>
+        <a:font script="Sinh" typeface="Iskoola Pota"/>
+        <a:font script="Mong" typeface="Mongolian Baiti"/>
+        <a:font script="Viet" typeface="Arial"/>
+        <a:font script="Uigh" typeface="Microsoft Uighur"/>
+        <a:font script="Geor" typeface="Sylfaen"/>
+        <a:font script="Armn" typeface="Arial"/>
+        <a:font script="Bugi" typeface="Leelawadee UI"/>
+        <a:font script="Bopo" typeface="Microsoft JhengHei"/>
+        <a:font script="Java" typeface="Javanese Text"/>
+        <a:font script="Lisu" typeface="Segoe UI"/>
+        <a:font script="Mymr" typeface="Myanmar Text"/>
+        <a:font script="Nkoo" typeface="Ebrima"/>
+        <a:font script="Olck" typeface="Nirmala UI"/>
+        <a:font script="Osma" typeface="Ebrima"/>
+        <a:font script="Phag" typeface="Phagspa"/>
+        <a:font script="Syrn" typeface="Estrangelo Edessa"/>
+        <a:font script="Syrj" typeface="Estrangelo Edessa"/>
+        <a:font script="Syre" typeface="Estrangelo Edessa"/>
+        <a:font script="Sora" typeface="Nirmala UI"/>
+        <a:font script="Tale" typeface="Microsoft Tai Le"/>
+        <a:font script="Talu" typeface="Microsoft New Tai Lue"/>
+        <a:font script="Tfng" typeface="Ebrima"/>
+      </a:minorFont>
+    </a:fontScheme>
+    <a:fmtScheme name="Office">
+      <a:fillStyleLst>
+        <a:solidFill>
+          <a:schemeClr val="phClr"/>
+        </a:solidFill>
+        <a:gradFill rotWithShape="1">
+          <a:gsLst>
+            <a:gs pos="0">
+              <a:schemeClr val="phClr">
+                <a:lumMod val="110000"/>
+                <a:satMod val="105000"/>
+                <a:tint val="67000"/>
+              </a:schemeClr>
+            </a:gs>
+            <a:gs pos="50000">
+              <a:schemeClr val="phClr">
+                <a:lumMod val="105000"/>
+                <a:satMod val="103000"/>
+                <a:tint val="73000"/>
+              </a:schemeClr>
+            </a:gs>
+            <a:gs pos="100000">
+              <a:schemeClr val="phClr">
+                <a:lumMod val="105000"/>
+                <a:satMod val="109000"/>
+                <a:tint val="81000"/>
+              </a:schemeClr>
+            </a:gs>
+          </a:gsLst>
+          <a:lin ang="5400000" scaled="0"/>
+        </a:gradFill>
+        <a:gradFill rotWithShape="1">
+          <a:gsLst>
+            <a:gs pos="0">
+              <a:schemeClr val="phClr">
+                <a:satMod val="103000"/>
+                <a:lumMod val="102000"/>
+                <a:tint val="94000"/>
+              </a:schemeClr>
+            </a:gs>
+            <a:gs pos="50000">
+              <a:schemeClr val="phClr">
+                <a:satMod val="110000"/>
+                <a:lumMod val="100000"/>
+                <a:shade val="100000"/>
+              </a:schemeClr>
+            </a:gs>
+            <a:gs pos="100000">
+              <a:schemeClr val="phClr">
+                <a:lumMod val="99000"/>
+                <a:satMod val="120000"/>
+                <a:shade val="78000"/>
+              </a:schemeClr>
+            </a:gs>
+          </a:gsLst>
+          <a:lin ang="5400000" scaled="0"/>
+        </a:gradFill>
+      </a:fillStyleLst>
+      <a:lnStyleLst>
+        <a:ln w="6350" cap="flat" cmpd="sng" algn="ctr">
+          <a:solidFill>
+            <a:schemeClr val="phClr"/>
+          </a:solidFill>
+          <a:prstDash val="solid"/>
+          <a:miter lim="800000"/>
+        </a:ln>
+        <a:ln w="12700" cap="flat" cmpd="sng" algn="ctr">
+          <a:solidFill>
+            <a:schemeClr val="phClr"/>
+          </a:solidFill>
+          <a:prstDash val="solid"/>
+          <a:miter lim="800000"/>
+        </a:ln>
+        <a:ln w="19050" cap="flat" cmpd="sng" algn="ctr">
+          <a:solidFill>
+            <a:schemeClr val="phClr"/>
+          </a:solidFill>
+          <a:prstDash val="solid"/>
+          <a:miter lim="800000"/>
+        </a:ln>
+      </a:lnStyleLst>
+      <a:effectStyleLst>
+        <a:effectStyle>
+          <a:effectLst/>
+        </a:effectStyle>
+        <a:effectStyle>
+          <a:effectLst/>
+        </a:effectStyle>
+        <a:effectStyle>
+          <a:effectLst>
+            <a:outerShdw blurRad="57150" dist="19050" dir="5400000" algn="ctr" rotWithShape="0">
+              <a:srgbClr val="000000">
+                <a:alpha val="63000"/>
+              </a:srgbClr>
+            </a:outerShdw>
+          </a:effectLst>
+        </a:effectStyle>
+      </a:effectStyleLst>
+      <a:bgFillStyleLst>
+        <a:solidFill>
+          <a:schemeClr val="phClr"/>
+        </a:solidFill>
+        <a:solidFill>
+          <a:schemeClr val="phClr">
+            <a:tint val="95000"/>
+            <a:satMod val="170000"/>
+          </a:schemeClr>
+        </a:solidFill>
+        <a:gradFill rotWithShape="1">
+          <a:gsLst>
+            <a:gs pos="0">
+              <a:schemeClr val="phClr">
+                <a:tint val="93000"/>
+                <a:satMod val="150000"/>
+                <a:shade val="98000"/>
+                <a:lumMod val="102000"/>
+              </a:schemeClr>
+            </a:gs>
+            <a:gs pos="50000">
+              <a:schemeClr val="phClr">
+                <a:tint val="98000"/>
+                <a:satMod val="130000"/>
+                <a:shade val="90000"/>
+                <a:lumMod val="103000"/>
+              </a:schemeClr>
+            </a:gs>
+            <a:gs pos="100000">
+              <a:schemeClr val="phClr">
+                <a:shade val="63000"/>
+                <a:satMod val="120000"/>
+              </a:schemeClr>
+            </a:gs>
+          </a:gsLst>
+          <a:lin ang="5400000" scaled="0"/>
+        </a:gradFill>
+      </a:bgFillStyleLst>
+    </a:fmtScheme>
+  </a:themeElements>
+  <a:objectDefaults/>
+  <a:extraClrSchemeLst/>
+  <a:extLst>
+    <a:ext uri="{05A4C25C-085E-4340-85A3-A5531E510DB2}">
+      <thm15:themeFamily xmlns:thm15="http://schemas.microsoft.com/office/thememl/2012/main" name="Office Theme" id="{62F939B6-93AF-4DB8-9C6B-D6C7DFDC589F}" vid="{4A3C46E8-61CC-4603-A589-7422A47A8E4A}"/>
+    </a:ext>
+  </a:extLst>
+</a:theme>
 </file>
--- a/static/images/parking_model_diagram.pptx
+++ b/static/images/parking_model_diagram.pptx
@@ -5,11 +5,12 @@
     <p:sldMasterId id="2147483648" r:id="rId1"/>
   </p:sldMasterIdLst>
   <p:notesMasterIdLst>
-    <p:notesMasterId r:id="rId4"/>
+    <p:notesMasterId r:id="rId5"/>
   </p:notesMasterIdLst>
   <p:sldIdLst>
     <p:sldId id="256" r:id="rId2"/>
     <p:sldId id="259" r:id="rId3"/>
+    <p:sldId id="260" r:id="rId4"/>
   </p:sldIdLst>
   <p:sldSz cx="12192000" cy="6858000"/>
   <p:notesSz cx="6858000" cy="9144000"/>
@@ -4464,6 +4465,44 @@
     <p:extLst>
       <p:ext uri="{BB962C8B-B14F-4D97-AF65-F5344CB8AC3E}">
         <p14:creationId xmlns:p14="http://schemas.microsoft.com/office/powerpoint/2010/main" val="1954138404"/>
+      </p:ext>
+    </p:extLst>
+  </p:cSld>
+  <p:clrMapOvr>
+    <a:masterClrMapping/>
+  </p:clrMapOvr>
+</p:sld>
+</file>
+
+<file path=ppt/slides/slide3.xml><?xml version="1.0" encoding="utf-8"?>
+<p:sld xmlns:a="http://schemas.openxmlformats.org/drawingml/2006/main" xmlns:r="http://schemas.openxmlformats.org/officeDocument/2006/relationships" xmlns:p="http://schemas.openxmlformats.org/presentationml/2006/main">
+  <p:cSld>
+    <p:bg>
+      <p:bgPr>
+        <a:solidFill>
+          <a:srgbClr val="212529"/>
+        </a:solidFill>
+        <a:effectLst/>
+      </p:bgPr>
+    </p:bg>
+    <p:spTree>
+      <p:nvGrpSpPr>
+        <p:cNvPr id="1" name=""/>
+        <p:cNvGrpSpPr/>
+        <p:nvPr/>
+      </p:nvGrpSpPr>
+      <p:grpSpPr>
+        <a:xfrm>
+          <a:off x="0" y="0"/>
+          <a:ext cx="0" cy="0"/>
+          <a:chOff x="0" y="0"/>
+          <a:chExt cx="0" cy="0"/>
+        </a:xfrm>
+      </p:grpSpPr>
+    </p:spTree>
+    <p:extLst>
+      <p:ext uri="{BB962C8B-B14F-4D97-AF65-F5344CB8AC3E}">
+        <p14:creationId xmlns:p14="http://schemas.microsoft.com/office/powerpoint/2010/main" val="2531588090"/>
       </p:ext>
     </p:extLst>
   </p:cSld>

--- a/static/images/parking_model_diagram.pptx
+++ b/static/images/parking_model_diagram.pptx
@@ -199,7 +199,7 @@
           <a:p>
             <a:fld id="{07700D8A-0234-EE4B-A591-97A8B6E7BB8D}" type="datetimeFigureOut">
               <a:rPr lang="en-US" smtClean="0"/>
-              <a:t>2/14/22</a:t>
+              <a:t>2/15/22</a:t>
             </a:fld>
             <a:endParaRPr lang="en-US"/>
           </a:p>
@@ -697,7 +697,7 @@
           <a:p>
             <a:fld id="{F4152273-3BB8-2D47-9B97-809FB3B4ED9B}" type="datetimeFigureOut">
               <a:rPr lang="en-US" smtClean="0"/>
-              <a:t>2/14/22</a:t>
+              <a:t>2/15/22</a:t>
             </a:fld>
             <a:endParaRPr lang="en-US"/>
           </a:p>
@@ -895,7 +895,7 @@
           <a:p>
             <a:fld id="{F4152273-3BB8-2D47-9B97-809FB3B4ED9B}" type="datetimeFigureOut">
               <a:rPr lang="en-US" smtClean="0"/>
-              <a:t>2/14/22</a:t>
+              <a:t>2/15/22</a:t>
             </a:fld>
             <a:endParaRPr lang="en-US"/>
           </a:p>
@@ -1103,7 +1103,7 @@
           <a:p>
             <a:fld id="{F4152273-3BB8-2D47-9B97-809FB3B4ED9B}" type="datetimeFigureOut">
               <a:rPr lang="en-US" smtClean="0"/>
-              <a:t>2/14/22</a:t>
+              <a:t>2/15/22</a:t>
             </a:fld>
             <a:endParaRPr lang="en-US"/>
           </a:p>
@@ -1301,7 +1301,7 @@
           <a:p>
             <a:fld id="{F4152273-3BB8-2D47-9B97-809FB3B4ED9B}" type="datetimeFigureOut">
               <a:rPr lang="en-US" smtClean="0"/>
-              <a:t>2/14/22</a:t>
+              <a:t>2/15/22</a:t>
             </a:fld>
             <a:endParaRPr lang="en-US"/>
           </a:p>
@@ -1576,7 +1576,7 @@
           <a:p>
             <a:fld id="{F4152273-3BB8-2D47-9B97-809FB3B4ED9B}" type="datetimeFigureOut">
               <a:rPr lang="en-US" smtClean="0"/>
-              <a:t>2/14/22</a:t>
+              <a:t>2/15/22</a:t>
             </a:fld>
             <a:endParaRPr lang="en-US"/>
           </a:p>
@@ -1841,7 +1841,7 @@
           <a:p>
             <a:fld id="{F4152273-3BB8-2D47-9B97-809FB3B4ED9B}" type="datetimeFigureOut">
               <a:rPr lang="en-US" smtClean="0"/>
-              <a:t>2/14/22</a:t>
+              <a:t>2/15/22</a:t>
             </a:fld>
             <a:endParaRPr lang="en-US"/>
           </a:p>
@@ -2253,7 +2253,7 @@
           <a:p>
             <a:fld id="{F4152273-3BB8-2D47-9B97-809FB3B4ED9B}" type="datetimeFigureOut">
               <a:rPr lang="en-US" smtClean="0"/>
-              <a:t>2/14/22</a:t>
+              <a:t>2/15/22</a:t>
             </a:fld>
             <a:endParaRPr lang="en-US"/>
           </a:p>
@@ -2394,7 +2394,7 @@
           <a:p>
             <a:fld id="{F4152273-3BB8-2D47-9B97-809FB3B4ED9B}" type="datetimeFigureOut">
               <a:rPr lang="en-US" smtClean="0"/>
-              <a:t>2/14/22</a:t>
+              <a:t>2/15/22</a:t>
             </a:fld>
             <a:endParaRPr lang="en-US"/>
           </a:p>
@@ -2507,7 +2507,7 @@
           <a:p>
             <a:fld id="{F4152273-3BB8-2D47-9B97-809FB3B4ED9B}" type="datetimeFigureOut">
               <a:rPr lang="en-US" smtClean="0"/>
-              <a:t>2/14/22</a:t>
+              <a:t>2/15/22</a:t>
             </a:fld>
             <a:endParaRPr lang="en-US"/>
           </a:p>
@@ -2818,7 +2818,7 @@
           <a:p>
             <a:fld id="{F4152273-3BB8-2D47-9B97-809FB3B4ED9B}" type="datetimeFigureOut">
               <a:rPr lang="en-US" smtClean="0"/>
-              <a:t>2/14/22</a:t>
+              <a:t>2/15/22</a:t>
             </a:fld>
             <a:endParaRPr lang="en-US"/>
           </a:p>
@@ -3106,7 +3106,7 @@
           <a:p>
             <a:fld id="{F4152273-3BB8-2D47-9B97-809FB3B4ED9B}" type="datetimeFigureOut">
               <a:rPr lang="en-US" smtClean="0"/>
-              <a:t>2/14/22</a:t>
+              <a:t>2/15/22</a:t>
             </a:fld>
             <a:endParaRPr lang="en-US"/>
           </a:p>
@@ -3347,7 +3347,7 @@
           <a:p>
             <a:fld id="{F4152273-3BB8-2D47-9B97-809FB3B4ED9B}" type="datetimeFigureOut">
               <a:rPr lang="en-US" smtClean="0"/>
-              <a:t>2/14/22</a:t>
+              <a:t>2/15/22</a:t>
             </a:fld>
             <a:endParaRPr lang="en-US"/>
           </a:p>
@@ -4499,6 +4499,369 @@
           <a:chExt cx="0" cy="0"/>
         </a:xfrm>
       </p:grpSpPr>
+      <p:grpSp>
+        <p:nvGrpSpPr>
+          <p:cNvPr id="14" name="Group 13">
+            <a:extLst>
+              <a:ext uri="{FF2B5EF4-FFF2-40B4-BE49-F238E27FC236}">
+                <a16:creationId xmlns:a16="http://schemas.microsoft.com/office/drawing/2014/main" id="{2EC9EE7B-A893-7243-A886-23F8160E9CBE}"/>
+              </a:ext>
+            </a:extLst>
+          </p:cNvPr>
+          <p:cNvGrpSpPr/>
+          <p:nvPr/>
+        </p:nvGrpSpPr>
+        <p:grpSpPr>
+          <a:xfrm>
+            <a:off x="-68758" y="159406"/>
+            <a:ext cx="1711412" cy="2339969"/>
+            <a:chOff x="-68758" y="159406"/>
+            <a:chExt cx="1711412" cy="2339969"/>
+          </a:xfrm>
+        </p:grpSpPr>
+        <p:pic>
+          <p:nvPicPr>
+            <p:cNvPr id="3" name="Picture 2">
+              <a:extLst>
+                <a:ext uri="{FF2B5EF4-FFF2-40B4-BE49-F238E27FC236}">
+                  <a16:creationId xmlns:a16="http://schemas.microsoft.com/office/drawing/2014/main" id="{8E5C4F31-4E93-E94C-9D95-E9E15AC7F8B8}"/>
+                </a:ext>
+              </a:extLst>
+            </p:cNvPr>
+            <p:cNvPicPr>
+              <a:picLocks noChangeAspect="1"/>
+            </p:cNvPicPr>
+            <p:nvPr/>
+          </p:nvPicPr>
+          <p:blipFill>
+            <a:blip r:embed="rId2"/>
+            <a:stretch>
+              <a:fillRect/>
+            </a:stretch>
+          </p:blipFill>
+          <p:spPr>
+            <a:xfrm>
+              <a:off x="-68758" y="159406"/>
+              <a:ext cx="1711411" cy="1711411"/>
+            </a:xfrm>
+            <a:prstGeom prst="rect">
+              <a:avLst/>
+            </a:prstGeom>
+          </p:spPr>
+        </p:pic>
+        <p:sp>
+          <p:nvSpPr>
+            <p:cNvPr id="10" name="TextBox 9">
+              <a:extLst>
+                <a:ext uri="{FF2B5EF4-FFF2-40B4-BE49-F238E27FC236}">
+                  <a16:creationId xmlns:a16="http://schemas.microsoft.com/office/drawing/2014/main" id="{C060949B-724C-494C-80AE-0626FEBBFFE2}"/>
+                </a:ext>
+              </a:extLst>
+            </p:cNvPr>
+            <p:cNvSpPr txBox="1"/>
+            <p:nvPr/>
+          </p:nvSpPr>
+          <p:spPr>
+            <a:xfrm>
+              <a:off x="-68758" y="2037710"/>
+              <a:ext cx="1711412" cy="461665"/>
+            </a:xfrm>
+            <a:prstGeom prst="rect">
+              <a:avLst/>
+            </a:prstGeom>
+            <a:noFill/>
+          </p:spPr>
+          <p:txBody>
+            <a:bodyPr wrap="square" rtlCol="0">
+              <a:spAutoFit/>
+            </a:bodyPr>
+            <a:lstStyle/>
+            <a:p>
+              <a:pPr algn="ctr"/>
+              <a:r>
+                <a:rPr lang="en-US" sz="2400" b="1" dirty="0">
+                  <a:solidFill>
+                    <a:srgbClr val="5298C9"/>
+                  </a:solidFill>
+                </a:rPr>
+                <a:t>More Data</a:t>
+              </a:r>
+            </a:p>
+          </p:txBody>
+        </p:sp>
+      </p:grpSp>
+      <p:grpSp>
+        <p:nvGrpSpPr>
+          <p:cNvPr id="16" name="Group 15">
+            <a:extLst>
+              <a:ext uri="{FF2B5EF4-FFF2-40B4-BE49-F238E27FC236}">
+                <a16:creationId xmlns:a16="http://schemas.microsoft.com/office/drawing/2014/main" id="{CC7A58FE-F9B2-9946-BDA8-48306EAAAF9F}"/>
+              </a:ext>
+            </a:extLst>
+          </p:cNvPr>
+          <p:cNvGrpSpPr/>
+          <p:nvPr/>
+        </p:nvGrpSpPr>
+        <p:grpSpPr>
+          <a:xfrm>
+            <a:off x="5633630" y="238713"/>
+            <a:ext cx="3457903" cy="2260662"/>
+            <a:chOff x="5955372" y="238713"/>
+            <a:chExt cx="3457903" cy="2260662"/>
+          </a:xfrm>
+        </p:grpSpPr>
+        <p:pic>
+          <p:nvPicPr>
+            <p:cNvPr id="7" name="Picture 6">
+              <a:extLst>
+                <a:ext uri="{FF2B5EF4-FFF2-40B4-BE49-F238E27FC236}">
+                  <a16:creationId xmlns:a16="http://schemas.microsoft.com/office/drawing/2014/main" id="{4265E88B-7108-3949-9D9F-D44867037CC0}"/>
+                </a:ext>
+              </a:extLst>
+            </p:cNvPr>
+            <p:cNvPicPr>
+              <a:picLocks noChangeAspect="1"/>
+            </p:cNvPicPr>
+            <p:nvPr/>
+          </p:nvPicPr>
+          <p:blipFill>
+            <a:blip r:embed="rId3"/>
+            <a:stretch>
+              <a:fillRect/>
+            </a:stretch>
+          </p:blipFill>
+          <p:spPr>
+            <a:xfrm>
+              <a:off x="6828618" y="238713"/>
+              <a:ext cx="1711411" cy="1711411"/>
+            </a:xfrm>
+            <a:prstGeom prst="rect">
+              <a:avLst/>
+            </a:prstGeom>
+          </p:spPr>
+        </p:pic>
+        <p:sp>
+          <p:nvSpPr>
+            <p:cNvPr id="11" name="TextBox 10">
+              <a:extLst>
+                <a:ext uri="{FF2B5EF4-FFF2-40B4-BE49-F238E27FC236}">
+                  <a16:creationId xmlns:a16="http://schemas.microsoft.com/office/drawing/2014/main" id="{C25FE182-4D4B-9149-BB65-FB52925AACCC}"/>
+                </a:ext>
+              </a:extLst>
+            </p:cNvPr>
+            <p:cNvSpPr txBox="1"/>
+            <p:nvPr/>
+          </p:nvSpPr>
+          <p:spPr>
+            <a:xfrm>
+              <a:off x="5955372" y="2037710"/>
+              <a:ext cx="3457903" cy="461665"/>
+            </a:xfrm>
+            <a:prstGeom prst="rect">
+              <a:avLst/>
+            </a:prstGeom>
+            <a:noFill/>
+          </p:spPr>
+          <p:txBody>
+            <a:bodyPr wrap="square" rtlCol="0">
+              <a:spAutoFit/>
+            </a:bodyPr>
+            <a:lstStyle/>
+            <a:p>
+              <a:pPr algn="ctr"/>
+              <a:r>
+                <a:rPr lang="en-US" sz="2400" b="1" dirty="0">
+                  <a:solidFill>
+                    <a:srgbClr val="5298C9"/>
+                  </a:solidFill>
+                </a:rPr>
+                <a:t>Hyperparameter Tuning</a:t>
+              </a:r>
+            </a:p>
+          </p:txBody>
+        </p:sp>
+      </p:grpSp>
+      <p:grpSp>
+        <p:nvGrpSpPr>
+          <p:cNvPr id="15" name="Group 14">
+            <a:extLst>
+              <a:ext uri="{FF2B5EF4-FFF2-40B4-BE49-F238E27FC236}">
+                <a16:creationId xmlns:a16="http://schemas.microsoft.com/office/drawing/2014/main" id="{01FD7301-DC0A-DD41-9421-1C9065AE35DC}"/>
+              </a:ext>
+            </a:extLst>
+          </p:cNvPr>
+          <p:cNvGrpSpPr/>
+          <p:nvPr/>
+        </p:nvGrpSpPr>
+        <p:grpSpPr>
+          <a:xfrm>
+            <a:off x="2281864" y="238713"/>
+            <a:ext cx="2712556" cy="2260662"/>
+            <a:chOff x="2763335" y="238713"/>
+            <a:chExt cx="2712556" cy="2260662"/>
+          </a:xfrm>
+        </p:grpSpPr>
+        <p:pic>
+          <p:nvPicPr>
+            <p:cNvPr id="5" name="Picture 4">
+              <a:extLst>
+                <a:ext uri="{FF2B5EF4-FFF2-40B4-BE49-F238E27FC236}">
+                  <a16:creationId xmlns:a16="http://schemas.microsoft.com/office/drawing/2014/main" id="{31FC2192-E82D-2D46-B0C7-3A3B421F0259}"/>
+                </a:ext>
+              </a:extLst>
+            </p:cNvPr>
+            <p:cNvPicPr>
+              <a:picLocks noChangeAspect="1"/>
+            </p:cNvPicPr>
+            <p:nvPr/>
+          </p:nvPicPr>
+          <p:blipFill>
+            <a:blip r:embed="rId4"/>
+            <a:stretch>
+              <a:fillRect/>
+            </a:stretch>
+          </p:blipFill>
+          <p:spPr>
+            <a:xfrm>
+              <a:off x="3263908" y="238713"/>
+              <a:ext cx="1711411" cy="1711411"/>
+            </a:xfrm>
+            <a:prstGeom prst="rect">
+              <a:avLst/>
+            </a:prstGeom>
+          </p:spPr>
+        </p:pic>
+        <p:sp>
+          <p:nvSpPr>
+            <p:cNvPr id="12" name="TextBox 11">
+              <a:extLst>
+                <a:ext uri="{FF2B5EF4-FFF2-40B4-BE49-F238E27FC236}">
+                  <a16:creationId xmlns:a16="http://schemas.microsoft.com/office/drawing/2014/main" id="{AB1873D9-347B-054A-8770-6872F817224A}"/>
+                </a:ext>
+              </a:extLst>
+            </p:cNvPr>
+            <p:cNvSpPr txBox="1"/>
+            <p:nvPr/>
+          </p:nvSpPr>
+          <p:spPr>
+            <a:xfrm>
+              <a:off x="2763335" y="2037710"/>
+              <a:ext cx="2712556" cy="461665"/>
+            </a:xfrm>
+            <a:prstGeom prst="rect">
+              <a:avLst/>
+            </a:prstGeom>
+            <a:noFill/>
+          </p:spPr>
+          <p:txBody>
+            <a:bodyPr wrap="square" rtlCol="0">
+              <a:spAutoFit/>
+            </a:bodyPr>
+            <a:lstStyle/>
+            <a:p>
+              <a:r>
+                <a:rPr lang="en-US" sz="2400" b="1" dirty="0">
+                  <a:solidFill>
+                    <a:srgbClr val="5298C9"/>
+                  </a:solidFill>
+                </a:rPr>
+                <a:t>Feature Engineering</a:t>
+              </a:r>
+            </a:p>
+          </p:txBody>
+        </p:sp>
+      </p:grpSp>
+      <p:grpSp>
+        <p:nvGrpSpPr>
+          <p:cNvPr id="17" name="Group 16">
+            <a:extLst>
+              <a:ext uri="{FF2B5EF4-FFF2-40B4-BE49-F238E27FC236}">
+                <a16:creationId xmlns:a16="http://schemas.microsoft.com/office/drawing/2014/main" id="{FBB5E2F3-89DB-2543-B4C7-FE89E5B9C189}"/>
+              </a:ext>
+            </a:extLst>
+          </p:cNvPr>
+          <p:cNvGrpSpPr/>
+          <p:nvPr/>
+        </p:nvGrpSpPr>
+        <p:grpSpPr>
+          <a:xfrm>
+            <a:off x="9730744" y="238713"/>
+            <a:ext cx="2461256" cy="2260662"/>
+            <a:chOff x="9428666" y="238713"/>
+            <a:chExt cx="2461256" cy="2260662"/>
+          </a:xfrm>
+        </p:grpSpPr>
+        <p:pic>
+          <p:nvPicPr>
+            <p:cNvPr id="9" name="Picture 8">
+              <a:extLst>
+                <a:ext uri="{FF2B5EF4-FFF2-40B4-BE49-F238E27FC236}">
+                  <a16:creationId xmlns:a16="http://schemas.microsoft.com/office/drawing/2014/main" id="{81A66D21-4B47-614F-BFDD-A66B54721472}"/>
+                </a:ext>
+              </a:extLst>
+            </p:cNvPr>
+            <p:cNvPicPr>
+              <a:picLocks noChangeAspect="1"/>
+            </p:cNvPicPr>
+            <p:nvPr/>
+          </p:nvPicPr>
+          <p:blipFill>
+            <a:blip r:embed="rId5"/>
+            <a:stretch>
+              <a:fillRect/>
+            </a:stretch>
+          </p:blipFill>
+          <p:spPr>
+            <a:xfrm>
+              <a:off x="9803589" y="238713"/>
+              <a:ext cx="1711411" cy="1711411"/>
+            </a:xfrm>
+            <a:prstGeom prst="rect">
+              <a:avLst/>
+            </a:prstGeom>
+          </p:spPr>
+        </p:pic>
+        <p:sp>
+          <p:nvSpPr>
+            <p:cNvPr id="13" name="TextBox 12">
+              <a:extLst>
+                <a:ext uri="{FF2B5EF4-FFF2-40B4-BE49-F238E27FC236}">
+                  <a16:creationId xmlns:a16="http://schemas.microsoft.com/office/drawing/2014/main" id="{0E5B69FC-5E85-D645-880E-881E5B774929}"/>
+                </a:ext>
+              </a:extLst>
+            </p:cNvPr>
+            <p:cNvSpPr txBox="1"/>
+            <p:nvPr/>
+          </p:nvSpPr>
+          <p:spPr>
+            <a:xfrm>
+              <a:off x="9428666" y="2037710"/>
+              <a:ext cx="2461256" cy="461665"/>
+            </a:xfrm>
+            <a:prstGeom prst="rect">
+              <a:avLst/>
+            </a:prstGeom>
+            <a:noFill/>
+          </p:spPr>
+          <p:txBody>
+            <a:bodyPr wrap="square" rtlCol="0">
+              <a:spAutoFit/>
+            </a:bodyPr>
+            <a:lstStyle/>
+            <a:p>
+              <a:pPr algn="ctr"/>
+              <a:r>
+                <a:rPr lang="en-US" sz="2400" b="1" dirty="0">
+                  <a:solidFill>
+                    <a:srgbClr val="5298C9"/>
+                  </a:solidFill>
+                </a:rPr>
+                <a:t>Neural Network</a:t>
+              </a:r>
+            </a:p>
+          </p:txBody>
+        </p:sp>
+      </p:grpSp>
     </p:spTree>
     <p:extLst>
       <p:ext uri="{BB962C8B-B14F-4D97-AF65-F5344CB8AC3E}">
